--- a/docs/diagrams/SignUpCommandSequenceDiagram.pptx
+++ b/docs/diagrams/SignUpCommandSequenceDiagram.pptx
@@ -208,7 +208,7 @@
           <a:p>
             <a:fld id="{F5CC4B3F-88C1-4FFA-B1B6-F41C21DC6924}" type="datetimeFigureOut">
               <a:rPr lang="en-US" smtClean="0"/>
-              <a:t>10/24/2018</a:t>
+              <a:t>11-Nov-18</a:t>
             </a:fld>
             <a:endParaRPr lang="en-US"/>
           </a:p>
@@ -654,7 +654,7 @@
           <a:p>
             <a:fld id="{78C97017-6FC3-485B-9764-EAC9E56C1D49}" type="datetimeFigureOut">
               <a:rPr lang="en-US" smtClean="0"/>
-              <a:t>10/24/2018</a:t>
+              <a:t>11-Nov-18</a:t>
             </a:fld>
             <a:endParaRPr lang="en-US"/>
           </a:p>
@@ -822,7 +822,7 @@
           <a:p>
             <a:fld id="{78C97017-6FC3-485B-9764-EAC9E56C1D49}" type="datetimeFigureOut">
               <a:rPr lang="en-US" smtClean="0"/>
-              <a:t>10/24/2018</a:t>
+              <a:t>11-Nov-18</a:t>
             </a:fld>
             <a:endParaRPr lang="en-US"/>
           </a:p>
@@ -1000,7 +1000,7 @@
           <a:p>
             <a:fld id="{78C97017-6FC3-485B-9764-EAC9E56C1D49}" type="datetimeFigureOut">
               <a:rPr lang="en-US" smtClean="0"/>
-              <a:t>10/24/2018</a:t>
+              <a:t>11-Nov-18</a:t>
             </a:fld>
             <a:endParaRPr lang="en-US"/>
           </a:p>
@@ -1168,7 +1168,7 @@
           <a:p>
             <a:fld id="{78C97017-6FC3-485B-9764-EAC9E56C1D49}" type="datetimeFigureOut">
               <a:rPr lang="en-US" smtClean="0"/>
-              <a:t>10/24/2018</a:t>
+              <a:t>11-Nov-18</a:t>
             </a:fld>
             <a:endParaRPr lang="en-US"/>
           </a:p>
@@ -1413,7 +1413,7 @@
           <a:p>
             <a:fld id="{78C97017-6FC3-485B-9764-EAC9E56C1D49}" type="datetimeFigureOut">
               <a:rPr lang="en-US" smtClean="0"/>
-              <a:t>10/24/2018</a:t>
+              <a:t>11-Nov-18</a:t>
             </a:fld>
             <a:endParaRPr lang="en-US"/>
           </a:p>
@@ -1698,7 +1698,7 @@
           <a:p>
             <a:fld id="{78C97017-6FC3-485B-9764-EAC9E56C1D49}" type="datetimeFigureOut">
               <a:rPr lang="en-US" smtClean="0"/>
-              <a:t>10/24/2018</a:t>
+              <a:t>11-Nov-18</a:t>
             </a:fld>
             <a:endParaRPr lang="en-US"/>
           </a:p>
@@ -2117,7 +2117,7 @@
           <a:p>
             <a:fld id="{78C97017-6FC3-485B-9764-EAC9E56C1D49}" type="datetimeFigureOut">
               <a:rPr lang="en-US" smtClean="0"/>
-              <a:t>10/24/2018</a:t>
+              <a:t>11-Nov-18</a:t>
             </a:fld>
             <a:endParaRPr lang="en-US"/>
           </a:p>
@@ -2234,7 +2234,7 @@
           <a:p>
             <a:fld id="{78C97017-6FC3-485B-9764-EAC9E56C1D49}" type="datetimeFigureOut">
               <a:rPr lang="en-US" smtClean="0"/>
-              <a:t>10/24/2018</a:t>
+              <a:t>11-Nov-18</a:t>
             </a:fld>
             <a:endParaRPr lang="en-US"/>
           </a:p>
@@ -2329,7 +2329,7 @@
           <a:p>
             <a:fld id="{78C97017-6FC3-485B-9764-EAC9E56C1D49}" type="datetimeFigureOut">
               <a:rPr lang="en-US" smtClean="0"/>
-              <a:t>10/24/2018</a:t>
+              <a:t>11-Nov-18</a:t>
             </a:fld>
             <a:endParaRPr lang="en-US"/>
           </a:p>
@@ -2604,7 +2604,7 @@
           <a:p>
             <a:fld id="{78C97017-6FC3-485B-9764-EAC9E56C1D49}" type="datetimeFigureOut">
               <a:rPr lang="en-US" smtClean="0"/>
-              <a:t>10/24/2018</a:t>
+              <a:t>11-Nov-18</a:t>
             </a:fld>
             <a:endParaRPr lang="en-US"/>
           </a:p>
@@ -2856,7 +2856,7 @@
           <a:p>
             <a:fld id="{78C97017-6FC3-485B-9764-EAC9E56C1D49}" type="datetimeFigureOut">
               <a:rPr lang="en-US" smtClean="0"/>
-              <a:t>10/24/2018</a:t>
+              <a:t>11-Nov-18</a:t>
             </a:fld>
             <a:endParaRPr lang="en-US"/>
           </a:p>
@@ -3067,7 +3067,7 @@
           <a:p>
             <a:fld id="{78C97017-6FC3-485B-9764-EAC9E56C1D49}" type="datetimeFigureOut">
               <a:rPr lang="en-US" smtClean="0"/>
-              <a:t>10/24/2018</a:t>
+              <a:t>11-Nov-18</a:t>
             </a:fld>
             <a:endParaRPr lang="en-US"/>
           </a:p>
@@ -3656,76 +3656,6 @@
           </a:p>
         </p:txBody>
       </p:sp>
-      <p:sp>
-        <p:nvSpPr>
-          <p:cNvPr id="16" name="Rectangle 62"/>
-          <p:cNvSpPr/>
-          <p:nvPr/>
-        </p:nvSpPr>
-        <p:spPr>
-          <a:xfrm>
-            <a:off x="2362200" y="655309"/>
-            <a:ext cx="1219200" cy="467684"/>
-          </a:xfrm>
-          <a:prstGeom prst="rect">
-            <a:avLst/>
-          </a:prstGeom>
-          <a:solidFill>
-            <a:srgbClr val="0070C0"/>
-          </a:solidFill>
-          <a:ln w="19050">
-            <a:solidFill>
-              <a:srgbClr val="0070C0"/>
-            </a:solidFill>
-          </a:ln>
-          <a:effectLst/>
-        </p:spPr>
-        <p:style>
-          <a:lnRef idx="1">
-            <a:schemeClr val="accent2"/>
-          </a:lnRef>
-          <a:fillRef idx="2">
-            <a:schemeClr val="accent2"/>
-          </a:fillRef>
-          <a:effectRef idx="1">
-            <a:schemeClr val="accent2"/>
-          </a:effectRef>
-          <a:fontRef idx="minor">
-            <a:schemeClr val="dk1"/>
-          </a:fontRef>
-        </p:style>
-        <p:txBody>
-          <a:bodyPr rtlCol="0" anchor="ctr"/>
-          <a:lstStyle/>
-          <a:p>
-            <a:pPr algn="ctr"/>
-            <a:r>
-              <a:rPr lang="en-US" sz="1600" dirty="0">
-                <a:solidFill>
-                  <a:schemeClr val="bg1"/>
-                </a:solidFill>
-              </a:rPr>
-              <a:t>:Address</a:t>
-            </a:r>
-          </a:p>
-          <a:p>
-            <a:pPr algn="ctr"/>
-            <a:r>
-              <a:rPr lang="en-US" sz="1600" dirty="0" err="1">
-                <a:solidFill>
-                  <a:schemeClr val="bg1"/>
-                </a:solidFill>
-              </a:rPr>
-              <a:t>BookParser</a:t>
-            </a:r>
-            <a:endParaRPr lang="en-SG" sz="1600" dirty="0">
-              <a:solidFill>
-                <a:schemeClr val="bg1"/>
-              </a:solidFill>
-            </a:endParaRPr>
-          </a:p>
-        </p:txBody>
-      </p:sp>
       <p:cxnSp>
         <p:nvCxnSpPr>
           <p:cNvPr id="17" name="Straight Connector 16"/>
@@ -5806,6 +5736,82 @@
               </a:rPr>
               <a:t>X</a:t>
             </a:r>
+          </a:p>
+        </p:txBody>
+      </p:sp>
+      <p:sp>
+        <p:nvSpPr>
+          <p:cNvPr id="53" name="Rectangle 62">
+            <a:extLst>
+              <a:ext uri="{FF2B5EF4-FFF2-40B4-BE49-F238E27FC236}">
+                <a16:creationId xmlns:a16="http://schemas.microsoft.com/office/drawing/2014/main" id="{01249F16-F933-4363-9B64-36EA4FBA393F}"/>
+              </a:ext>
+            </a:extLst>
+          </p:cNvPr>
+          <p:cNvSpPr/>
+          <p:nvPr/>
+        </p:nvSpPr>
+        <p:spPr>
+          <a:xfrm>
+            <a:off x="2286000" y="655308"/>
+            <a:ext cx="1391711" cy="487691"/>
+          </a:xfrm>
+          <a:prstGeom prst="rect">
+            <a:avLst/>
+          </a:prstGeom>
+          <a:solidFill>
+            <a:srgbClr val="0070C0"/>
+          </a:solidFill>
+          <a:ln w="19050">
+            <a:solidFill>
+              <a:srgbClr val="0070C0"/>
+            </a:solidFill>
+          </a:ln>
+          <a:effectLst/>
+        </p:spPr>
+        <p:style>
+          <a:lnRef idx="1">
+            <a:schemeClr val="accent2"/>
+          </a:lnRef>
+          <a:fillRef idx="2">
+            <a:schemeClr val="accent2"/>
+          </a:fillRef>
+          <a:effectRef idx="1">
+            <a:schemeClr val="accent2"/>
+          </a:effectRef>
+          <a:fontRef idx="minor">
+            <a:schemeClr val="dk1"/>
+          </a:fontRef>
+        </p:style>
+        <p:txBody>
+          <a:bodyPr rtlCol="0" anchor="ctr"/>
+          <a:lstStyle/>
+          <a:p>
+            <a:pPr algn="ctr"/>
+            <a:r>
+              <a:rPr lang="en-US" sz="1600" dirty="0">
+                <a:solidFill>
+                  <a:schemeClr val="bg1"/>
+                </a:solidFill>
+              </a:rPr>
+              <a:t>:Expense</a:t>
+            </a:r>
+          </a:p>
+          <a:p>
+            <a:pPr algn="ctr"/>
+            <a:r>
+              <a:rPr lang="en-US" sz="1600" dirty="0" err="1">
+                <a:solidFill>
+                  <a:schemeClr val="bg1"/>
+                </a:solidFill>
+              </a:rPr>
+              <a:t>TrackerParser</a:t>
+            </a:r>
+            <a:endParaRPr lang="en-SG" sz="1600" dirty="0">
+              <a:solidFill>
+                <a:schemeClr val="bg1"/>
+              </a:solidFill>
+            </a:endParaRPr>
           </a:p>
         </p:txBody>
       </p:sp>

--- a/docs/diagrams/SignUpCommandSequenceDiagram.pptx
+++ b/docs/diagrams/SignUpCommandSequenceDiagram.pptx
@@ -208,7 +208,7 @@
           <a:p>
             <a:fld id="{F5CC4B3F-88C1-4FFA-B1B6-F41C21DC6924}" type="datetimeFigureOut">
               <a:rPr lang="en-US" smtClean="0"/>
-              <a:t>10/24/2018</a:t>
+              <a:t>11/12/2018</a:t>
             </a:fld>
             <a:endParaRPr lang="en-US"/>
           </a:p>
@@ -654,7 +654,7 @@
           <a:p>
             <a:fld id="{78C97017-6FC3-485B-9764-EAC9E56C1D49}" type="datetimeFigureOut">
               <a:rPr lang="en-US" smtClean="0"/>
-              <a:t>10/24/2018</a:t>
+              <a:t>11/12/2018</a:t>
             </a:fld>
             <a:endParaRPr lang="en-US"/>
           </a:p>
@@ -822,7 +822,7 @@
           <a:p>
             <a:fld id="{78C97017-6FC3-485B-9764-EAC9E56C1D49}" type="datetimeFigureOut">
               <a:rPr lang="en-US" smtClean="0"/>
-              <a:t>10/24/2018</a:t>
+              <a:t>11/12/2018</a:t>
             </a:fld>
             <a:endParaRPr lang="en-US"/>
           </a:p>
@@ -1000,7 +1000,7 @@
           <a:p>
             <a:fld id="{78C97017-6FC3-485B-9764-EAC9E56C1D49}" type="datetimeFigureOut">
               <a:rPr lang="en-US" smtClean="0"/>
-              <a:t>10/24/2018</a:t>
+              <a:t>11/12/2018</a:t>
             </a:fld>
             <a:endParaRPr lang="en-US"/>
           </a:p>
@@ -1168,7 +1168,7 @@
           <a:p>
             <a:fld id="{78C97017-6FC3-485B-9764-EAC9E56C1D49}" type="datetimeFigureOut">
               <a:rPr lang="en-US" smtClean="0"/>
-              <a:t>10/24/2018</a:t>
+              <a:t>11/12/2018</a:t>
             </a:fld>
             <a:endParaRPr lang="en-US"/>
           </a:p>
@@ -1413,7 +1413,7 @@
           <a:p>
             <a:fld id="{78C97017-6FC3-485B-9764-EAC9E56C1D49}" type="datetimeFigureOut">
               <a:rPr lang="en-US" smtClean="0"/>
-              <a:t>10/24/2018</a:t>
+              <a:t>11/12/2018</a:t>
             </a:fld>
             <a:endParaRPr lang="en-US"/>
           </a:p>
@@ -1698,7 +1698,7 @@
           <a:p>
             <a:fld id="{78C97017-6FC3-485B-9764-EAC9E56C1D49}" type="datetimeFigureOut">
               <a:rPr lang="en-US" smtClean="0"/>
-              <a:t>10/24/2018</a:t>
+              <a:t>11/12/2018</a:t>
             </a:fld>
             <a:endParaRPr lang="en-US"/>
           </a:p>
@@ -2117,7 +2117,7 @@
           <a:p>
             <a:fld id="{78C97017-6FC3-485B-9764-EAC9E56C1D49}" type="datetimeFigureOut">
               <a:rPr lang="en-US" smtClean="0"/>
-              <a:t>10/24/2018</a:t>
+              <a:t>11/12/2018</a:t>
             </a:fld>
             <a:endParaRPr lang="en-US"/>
           </a:p>
@@ -2234,7 +2234,7 @@
           <a:p>
             <a:fld id="{78C97017-6FC3-485B-9764-EAC9E56C1D49}" type="datetimeFigureOut">
               <a:rPr lang="en-US" smtClean="0"/>
-              <a:t>10/24/2018</a:t>
+              <a:t>11/12/2018</a:t>
             </a:fld>
             <a:endParaRPr lang="en-US"/>
           </a:p>
@@ -2329,7 +2329,7 @@
           <a:p>
             <a:fld id="{78C97017-6FC3-485B-9764-EAC9E56C1D49}" type="datetimeFigureOut">
               <a:rPr lang="en-US" smtClean="0"/>
-              <a:t>10/24/2018</a:t>
+              <a:t>11/12/2018</a:t>
             </a:fld>
             <a:endParaRPr lang="en-US"/>
           </a:p>
@@ -2604,7 +2604,7 @@
           <a:p>
             <a:fld id="{78C97017-6FC3-485B-9764-EAC9E56C1D49}" type="datetimeFigureOut">
               <a:rPr lang="en-US" smtClean="0"/>
-              <a:t>10/24/2018</a:t>
+              <a:t>11/12/2018</a:t>
             </a:fld>
             <a:endParaRPr lang="en-US"/>
           </a:p>
@@ -2856,7 +2856,7 @@
           <a:p>
             <a:fld id="{78C97017-6FC3-485B-9764-EAC9E56C1D49}" type="datetimeFigureOut">
               <a:rPr lang="en-US" smtClean="0"/>
-              <a:t>10/24/2018</a:t>
+              <a:t>11/12/2018</a:t>
             </a:fld>
             <a:endParaRPr lang="en-US"/>
           </a:p>
@@ -3067,7 +3067,7 @@
           <a:p>
             <a:fld id="{78C97017-6FC3-485B-9764-EAC9E56C1D49}" type="datetimeFigureOut">
               <a:rPr lang="en-US" smtClean="0"/>
-              <a:t>10/24/2018</a:t>
+              <a:t>11/12/2018</a:t>
             </a:fld>
             <a:endParaRPr lang="en-US"/>
           </a:p>
@@ -3705,18 +3705,15 @@
                   <a:schemeClr val="bg1"/>
                 </a:solidFill>
               </a:rPr>
-              <a:t>:Address</a:t>
-            </a:r>
-          </a:p>
-          <a:p>
-            <a:pPr algn="ctr"/>
+              <a:t>:</a:t>
+            </a:r>
             <a:r>
               <a:rPr lang="en-US" sz="1600" dirty="0" err="1">
                 <a:solidFill>
                   <a:schemeClr val="bg1"/>
                 </a:solidFill>
               </a:rPr>
-              <a:t>BookParser</a:t>
+              <a:t>ExpenseTrackerParser</a:t>
             </a:r>
             <a:endParaRPr lang="en-SG" sz="1600" dirty="0">
               <a:solidFill>
@@ -4459,7 +4456,7 @@
         </p:nvSpPr>
         <p:spPr>
           <a:xfrm>
-            <a:off x="3352800" y="1981200"/>
+            <a:off x="3371661" y="2255610"/>
             <a:ext cx="1042552" cy="184666"/>
           </a:xfrm>
           <a:prstGeom prst="rect">
@@ -4788,7 +4785,7 @@
         </p:nvSpPr>
         <p:spPr>
           <a:xfrm>
-            <a:off x="3850983" y="1405841"/>
+            <a:off x="3863437" y="1653150"/>
             <a:ext cx="1778201" cy="432035"/>
           </a:xfrm>
           <a:prstGeom prst="rect">
@@ -4824,20 +4821,12 @@
           <a:p>
             <a:pPr algn="ctr"/>
             <a:r>
-              <a:rPr lang="en-US" sz="1600" dirty="0">
-                <a:solidFill>
-                  <a:schemeClr val="bg1"/>
-                </a:solidFill>
-              </a:rPr>
-              <a:t>:</a:t>
-            </a:r>
-            <a:r>
               <a:rPr lang="en-US" sz="1600" dirty="0" err="1">
                 <a:solidFill>
                   <a:schemeClr val="bg1"/>
                 </a:solidFill>
               </a:rPr>
-              <a:t>SignUpCommand</a:t>
+              <a:t>parser:SignUp</a:t>
             </a:r>
             <a:endParaRPr lang="en-US" sz="1600" dirty="0">
               <a:solidFill>
@@ -4848,12 +4837,12 @@
           <a:p>
             <a:pPr algn="ctr"/>
             <a:r>
-              <a:rPr lang="en-US" sz="1600" dirty="0">
+              <a:rPr lang="en-US" sz="1600" dirty="0" err="1">
                 <a:solidFill>
                   <a:schemeClr val="bg1"/>
                 </a:solidFill>
               </a:rPr>
-              <a:t>Parser</a:t>
+              <a:t>CommandParser</a:t>
             </a:r>
             <a:endParaRPr lang="en-SG" sz="1600" dirty="0">
               <a:solidFill>
@@ -4871,7 +4860,7 @@
         </p:nvCxnSpPr>
         <p:spPr>
           <a:xfrm>
-            <a:off x="3081591" y="2209801"/>
+            <a:off x="3100452" y="2484211"/>
             <a:ext cx="1597356" cy="1"/>
           </a:xfrm>
           <a:prstGeom prst="straightConnector1">
@@ -4905,7 +4894,7 @@
         </p:nvSpPr>
         <p:spPr>
           <a:xfrm>
-            <a:off x="4678949" y="1828802"/>
+            <a:off x="4691403" y="2076111"/>
             <a:ext cx="205843" cy="123165"/>
           </a:xfrm>
           <a:prstGeom prst="rect">
@@ -4955,7 +4944,7 @@
         </p:nvCxnSpPr>
         <p:spPr>
           <a:xfrm>
-            <a:off x="4781871" y="1828802"/>
+            <a:off x="4794325" y="2076111"/>
             <a:ext cx="6319" cy="1780892"/>
           </a:xfrm>
           <a:prstGeom prst="line">
@@ -4992,8 +4981,8 @@
         </p:nvSpPr>
         <p:spPr>
           <a:xfrm>
-            <a:off x="4703110" y="2176025"/>
-            <a:ext cx="170590" cy="1169004"/>
+            <a:off x="4703110" y="2480603"/>
+            <a:ext cx="170590" cy="864425"/>
           </a:xfrm>
           <a:prstGeom prst="rect">
             <a:avLst/>
@@ -5111,7 +5100,7 @@
         </p:nvCxnSpPr>
         <p:spPr>
           <a:xfrm>
-            <a:off x="3078519" y="1951965"/>
+            <a:off x="3090975" y="2199276"/>
             <a:ext cx="1600428" cy="0"/>
           </a:xfrm>
           <a:prstGeom prst="straightConnector1">
@@ -5149,7 +5138,7 @@
         </p:nvSpPr>
         <p:spPr>
           <a:xfrm>
-            <a:off x="4652668" y="3557963"/>
+            <a:off x="4668282" y="3822939"/>
             <a:ext cx="258404" cy="261610"/>
           </a:xfrm>
           <a:prstGeom prst="rect">
@@ -5171,86 +5160,6 @@
               </a:rPr>
               <a:t>X</a:t>
             </a:r>
-          </a:p>
-        </p:txBody>
-      </p:sp>
-      <p:sp>
-        <p:nvSpPr>
-          <p:cNvPr id="60" name="Rectangle 62">
-            <a:extLst>
-              <a:ext uri="{FF2B5EF4-FFF2-40B4-BE49-F238E27FC236}">
-                <a16:creationId xmlns:a16="http://schemas.microsoft.com/office/drawing/2014/main" id="{B711DC8C-7650-495B-9ACC-AAAFD67C2F89}"/>
-              </a:ext>
-            </a:extLst>
-          </p:cNvPr>
-          <p:cNvSpPr/>
-          <p:nvPr/>
-        </p:nvSpPr>
-        <p:spPr>
-          <a:xfrm>
-            <a:off x="5702853" y="2401847"/>
-            <a:ext cx="1093635" cy="461538"/>
-          </a:xfrm>
-          <a:prstGeom prst="rect">
-            <a:avLst/>
-          </a:prstGeom>
-          <a:solidFill>
-            <a:srgbClr val="0070C0"/>
-          </a:solidFill>
-          <a:ln w="19050">
-            <a:solidFill>
-              <a:srgbClr val="0070C0"/>
-            </a:solidFill>
-          </a:ln>
-          <a:effectLst/>
-        </p:spPr>
-        <p:style>
-          <a:lnRef idx="1">
-            <a:schemeClr val="accent2"/>
-          </a:lnRef>
-          <a:fillRef idx="2">
-            <a:schemeClr val="accent2"/>
-          </a:fillRef>
-          <a:effectRef idx="1">
-            <a:schemeClr val="accent2"/>
-          </a:effectRef>
-          <a:fontRef idx="minor">
-            <a:schemeClr val="dk1"/>
-          </a:fontRef>
-        </p:style>
-        <p:txBody>
-          <a:bodyPr rtlCol="0" anchor="ctr"/>
-          <a:lstStyle/>
-          <a:p>
-            <a:pPr algn="ctr"/>
-            <a:r>
-              <a:rPr lang="en-US" sz="1600" dirty="0">
-                <a:solidFill>
-                  <a:schemeClr val="bg1"/>
-                </a:solidFill>
-              </a:rPr>
-              <a:t>c:SignUp</a:t>
-            </a:r>
-            <a:br>
-              <a:rPr lang="en-US" sz="1600" dirty="0">
-                <a:solidFill>
-                  <a:schemeClr val="bg1"/>
-                </a:solidFill>
-              </a:rPr>
-            </a:br>
-            <a:r>
-              <a:rPr lang="en-US" sz="1600" dirty="0">
-                <a:solidFill>
-                  <a:schemeClr val="bg1"/>
-                </a:solidFill>
-              </a:rPr>
-              <a:t>Command</a:t>
-            </a:r>
-            <a:endParaRPr lang="en-SG" sz="1600" dirty="0">
-              <a:solidFill>
-                <a:schemeClr val="bg1"/>
-              </a:solidFill>
-            </a:endParaRPr>
           </a:p>
         </p:txBody>
       </p:sp>
@@ -5323,8 +5232,8 @@
         </p:nvCxnSpPr>
         <p:spPr>
           <a:xfrm flipV="1">
-            <a:off x="4678947" y="2394987"/>
-            <a:ext cx="1034729" cy="1"/>
+            <a:off x="4759339" y="2545639"/>
+            <a:ext cx="954337" cy="6355"/>
           </a:xfrm>
           <a:prstGeom prst="straightConnector1">
             <a:avLst/>
@@ -5455,7 +5364,7 @@
         </p:nvSpPr>
         <p:spPr>
           <a:xfrm>
-            <a:off x="4911114" y="1980593"/>
+            <a:off x="4989563" y="2239283"/>
             <a:ext cx="1042552" cy="276999"/>
           </a:xfrm>
           <a:prstGeom prst="rect">
@@ -5805,6 +5714,182 @@
                 </a:solidFill>
               </a:rPr>
               <a:t>X</a:t>
+            </a:r>
+          </a:p>
+        </p:txBody>
+      </p:sp>
+      <p:sp>
+        <p:nvSpPr>
+          <p:cNvPr id="60" name="Rectangle 62">
+            <a:extLst>
+              <a:ext uri="{FF2B5EF4-FFF2-40B4-BE49-F238E27FC236}">
+                <a16:creationId xmlns:a16="http://schemas.microsoft.com/office/drawing/2014/main" id="{B711DC8C-7650-495B-9ACC-AAAFD67C2F89}"/>
+              </a:ext>
+            </a:extLst>
+          </p:cNvPr>
+          <p:cNvSpPr/>
+          <p:nvPr/>
+        </p:nvSpPr>
+        <p:spPr>
+          <a:xfrm>
+            <a:off x="5684378" y="2557887"/>
+            <a:ext cx="1093635" cy="461538"/>
+          </a:xfrm>
+          <a:prstGeom prst="rect">
+            <a:avLst/>
+          </a:prstGeom>
+          <a:solidFill>
+            <a:srgbClr val="0070C0"/>
+          </a:solidFill>
+          <a:ln w="19050">
+            <a:solidFill>
+              <a:srgbClr val="0070C0"/>
+            </a:solidFill>
+          </a:ln>
+          <a:effectLst/>
+        </p:spPr>
+        <p:style>
+          <a:lnRef idx="1">
+            <a:schemeClr val="accent2"/>
+          </a:lnRef>
+          <a:fillRef idx="2">
+            <a:schemeClr val="accent2"/>
+          </a:fillRef>
+          <a:effectRef idx="1">
+            <a:schemeClr val="accent2"/>
+          </a:effectRef>
+          <a:fontRef idx="minor">
+            <a:schemeClr val="dk1"/>
+          </a:fontRef>
+        </p:style>
+        <p:txBody>
+          <a:bodyPr rtlCol="0" anchor="ctr"/>
+          <a:lstStyle/>
+          <a:p>
+            <a:pPr algn="ctr"/>
+            <a:r>
+              <a:rPr lang="en-US" sz="1600" dirty="0">
+                <a:solidFill>
+                  <a:schemeClr val="bg1"/>
+                </a:solidFill>
+              </a:rPr>
+              <a:t>c:SignUp</a:t>
+            </a:r>
+            <a:br>
+              <a:rPr lang="en-US" sz="1600" dirty="0">
+                <a:solidFill>
+                  <a:schemeClr val="bg1"/>
+                </a:solidFill>
+              </a:rPr>
+            </a:br>
+            <a:r>
+              <a:rPr lang="en-US" sz="1600" dirty="0">
+                <a:solidFill>
+                  <a:schemeClr val="bg1"/>
+                </a:solidFill>
+              </a:rPr>
+              <a:t>Command</a:t>
+            </a:r>
+            <a:endParaRPr lang="en-SG" sz="1600" dirty="0">
+              <a:solidFill>
+                <a:schemeClr val="bg1"/>
+              </a:solidFill>
+            </a:endParaRPr>
+          </a:p>
+        </p:txBody>
+      </p:sp>
+      <p:sp>
+        <p:nvSpPr>
+          <p:cNvPr id="55" name="TextBox 54">
+            <a:extLst>
+              <a:ext uri="{FF2B5EF4-FFF2-40B4-BE49-F238E27FC236}">
+                <a16:creationId xmlns:a16="http://schemas.microsoft.com/office/drawing/2014/main" id="{C8EDE70F-60C9-46A2-9F50-6FC9CA226AA9}"/>
+              </a:ext>
+            </a:extLst>
+          </p:cNvPr>
+          <p:cNvSpPr txBox="1"/>
+          <p:nvPr/>
+        </p:nvSpPr>
+        <p:spPr>
+          <a:xfrm>
+            <a:off x="2747877" y="1953027"/>
+            <a:ext cx="1042552" cy="184666"/>
+          </a:xfrm>
+          <a:prstGeom prst="rect">
+            <a:avLst/>
+          </a:prstGeom>
+          <a:noFill/>
+        </p:spPr>
+        <p:txBody>
+          <a:bodyPr wrap="square" lIns="0" tIns="0" rIns="0" bIns="0" rtlCol="0">
+            <a:spAutoFit/>
+          </a:bodyPr>
+          <a:lstStyle>
+            <a:defPPr>
+              <a:defRPr lang="en-US"/>
+            </a:defPPr>
+            <a:lvl1pPr algn="r">
+              <a:defRPr sz="1400">
+                <a:solidFill>
+                  <a:srgbClr val="0070C0"/>
+                </a:solidFill>
+              </a:defRPr>
+            </a:lvl1pPr>
+          </a:lstStyle>
+          <a:p>
+            <a:r>
+              <a:rPr lang="en-US" sz="1200" dirty="0"/>
+              <a:t>parser</a:t>
+            </a:r>
+          </a:p>
+        </p:txBody>
+      </p:sp>
+      <p:sp>
+        <p:nvSpPr>
+          <p:cNvPr id="56" name="TextBox 55">
+            <a:extLst>
+              <a:ext uri="{FF2B5EF4-FFF2-40B4-BE49-F238E27FC236}">
+                <a16:creationId xmlns:a16="http://schemas.microsoft.com/office/drawing/2014/main" id="{DD851C68-C317-47A5-B840-E840AE2536C1}"/>
+              </a:ext>
+            </a:extLst>
+          </p:cNvPr>
+          <p:cNvSpPr txBox="1"/>
+          <p:nvPr/>
+        </p:nvSpPr>
+        <p:spPr>
+          <a:xfrm>
+            <a:off x="2944965" y="1423696"/>
+            <a:ext cx="1763478" cy="184666"/>
+          </a:xfrm>
+          <a:prstGeom prst="rect">
+            <a:avLst/>
+          </a:prstGeom>
+          <a:noFill/>
+        </p:spPr>
+        <p:txBody>
+          <a:bodyPr wrap="square" lIns="0" tIns="0" rIns="0" bIns="0" rtlCol="0">
+            <a:spAutoFit/>
+          </a:bodyPr>
+          <a:lstStyle>
+            <a:defPPr>
+              <a:defRPr lang="en-US"/>
+            </a:defPPr>
+            <a:lvl1pPr algn="r">
+              <a:defRPr sz="1400">
+                <a:solidFill>
+                  <a:srgbClr val="0070C0"/>
+                </a:solidFill>
+              </a:defRPr>
+            </a:lvl1pPr>
+          </a:lstStyle>
+          <a:p>
+            <a:r>
+              <a:rPr lang="en-US" sz="1200" dirty="0" err="1"/>
+              <a:t>SignUpCommandParser</a:t>
+            </a:r>
+            <a:r>
+              <a:rPr lang="en-US" sz="1200" dirty="0"/>
+              <a:t>()</a:t>
             </a:r>
           </a:p>
         </p:txBody>
